--- a/我与北京PPT.pptx
+++ b/我与北京PPT.pptx
@@ -3,21 +3,21 @@
 <p:presentation xmlns:a="http://schemas.openxmlformats.org/drawingml/2006/main" xmlns:r="http://schemas.openxmlformats.org/officeDocument/2006/relationships" xmlns:p="http://schemas.openxmlformats.org/presentationml/2006/main">
   <p:sldMasterIdLst>
     <p:sldMasterId id="2147483648" r:id="rId1"/>
-    <p:sldMasterId id="2147483660" r:id="rId3"/>
+    <p:sldMasterId id="2147483660" r:id="rId2"/>
   </p:sldMasterIdLst>
   <p:notesMasterIdLst>
-    <p:notesMasterId r:id="rId9"/>
+    <p:notesMasterId r:id="rId12"/>
   </p:notesMasterIdLst>
   <p:sldIdLst>
-    <p:sldId id="256" r:id="rId4"/>
-    <p:sldId id="271" r:id="rId5"/>
-    <p:sldId id="272" r:id="rId6"/>
-    <p:sldId id="273" r:id="rId7"/>
-    <p:sldId id="275" r:id="rId8"/>
-    <p:sldId id="274" r:id="rId10"/>
-    <p:sldId id="276" r:id="rId11"/>
-    <p:sldId id="277" r:id="rId12"/>
-    <p:sldId id="270" r:id="rId13"/>
+    <p:sldId id="256" r:id="rId3"/>
+    <p:sldId id="271" r:id="rId4"/>
+    <p:sldId id="272" r:id="rId5"/>
+    <p:sldId id="273" r:id="rId6"/>
+    <p:sldId id="275" r:id="rId7"/>
+    <p:sldId id="274" r:id="rId8"/>
+    <p:sldId id="276" r:id="rId9"/>
+    <p:sldId id="277" r:id="rId10"/>
+    <p:sldId id="270" r:id="rId11"/>
   </p:sldIdLst>
   <p:sldSz cx="9144000" cy="6858000" type="screen4x3"/>
   <p:notesSz cx="6858000" cy="9144000"/>
@@ -291,6 +291,7 @@
           <a:p>
             <a:fld id="{D2A48B96-639E-45A3-A0BA-2464DFDB1FAA}" type="datetimeFigureOut">
               <a:rPr lang="zh-CN" altLang="en-US" smtClean="0"/>
+              <a:t>2018/11/7</a:t>
             </a:fld>
             <a:endParaRPr lang="zh-CN" altLang="en-US"/>
           </a:p>
@@ -357,7 +358,6 @@
               <a:rPr lang="zh-CN" altLang="en-US" smtClean="0"/>
               <a:t>单击此处编辑母版文本样式</a:t>
             </a:r>
-            <a:endParaRPr lang="zh-CN" altLang="en-US" smtClean="0"/>
           </a:p>
           <a:p>
             <a:pPr lvl="1"/>
@@ -365,7 +365,6 @@
               <a:rPr lang="zh-CN" altLang="en-US" smtClean="0"/>
               <a:t>第二级</a:t>
             </a:r>
-            <a:endParaRPr lang="zh-CN" altLang="en-US" smtClean="0"/>
           </a:p>
           <a:p>
             <a:pPr lvl="2"/>
@@ -373,7 +372,6 @@
               <a:rPr lang="zh-CN" altLang="en-US" smtClean="0"/>
               <a:t>第三级</a:t>
             </a:r>
-            <a:endParaRPr lang="zh-CN" altLang="en-US" smtClean="0"/>
           </a:p>
           <a:p>
             <a:pPr lvl="3"/>
@@ -381,7 +379,6 @@
               <a:rPr lang="zh-CN" altLang="en-US" smtClean="0"/>
               <a:t>第四级</a:t>
             </a:r>
-            <a:endParaRPr lang="zh-CN" altLang="en-US" smtClean="0"/>
           </a:p>
           <a:p>
             <a:pPr lvl="4"/>
@@ -453,12 +450,18 @@
           <a:p>
             <a:fld id="{A6837353-30EB-4A48-80EB-173D804AEFBD}" type="slidenum">
               <a:rPr lang="zh-CN" altLang="en-US" smtClean="0"/>
+              <a:t>‹#›</a:t>
             </a:fld>
             <a:endParaRPr lang="zh-CN" altLang="en-US"/>
           </a:p>
         </p:txBody>
       </p:sp>
     </p:spTree>
+    <p:extLst>
+      <p:ext uri="{BB962C8B-B14F-4D97-AF65-F5344CB8AC3E}">
+        <p14:creationId xmlns:p14="http://schemas.microsoft.com/office/powerpoint/2010/main" val="3944742830"/>
+      </p:ext>
+    </p:extLst>
   </p:cSld>
   <p:clrMap bg1="lt1" tx1="dk1" bg2="lt2" tx2="dk2" accent1="accent1" accent2="accent2" accent3="accent3" accent4="accent4" accent5="accent5" accent6="accent6" hlink="hlink" folHlink="folHlink"/>
   <p:notesStyle>
@@ -565,11 +568,20 @@
         <p:cNvGrpSpPr/>
         <p:nvPr/>
       </p:nvGrpSpPr>
-      <p:grpSpPr/>
+      <p:grpSpPr>
+        <a:xfrm>
+          <a:off x="0" y="0"/>
+          <a:ext cx="0" cy="0"/>
+          <a:chOff x="0" y="0"/>
+          <a:chExt cx="0" cy="0"/>
+        </a:xfrm>
+      </p:grpSpPr>
       <p:sp>
         <p:nvSpPr>
           <p:cNvPr id="2" name="幻灯片图像占位符 1"/>
-          <p:cNvSpPr/>
+          <p:cNvSpPr>
+            <a:spLocks noGrp="1" noRot="1" noChangeAspect="1"/>
+          </p:cNvSpPr>
           <p:nvPr>
             <p:ph type="sldImg" idx="2"/>
           </p:nvPr>
@@ -579,7 +591,9 @@
       <p:sp>
         <p:nvSpPr>
           <p:cNvPr id="3" name="文本占位符 2"/>
-          <p:cNvSpPr/>
+          <p:cNvSpPr>
+            <a:spLocks noGrp="1"/>
+          </p:cNvSpPr>
           <p:nvPr>
             <p:ph type="body" idx="3"/>
           </p:nvPr>
@@ -587,6 +601,7 @@
         <p:spPr/>
         <p:txBody>
           <a:bodyPr/>
+          <a:lstStyle/>
           <a:p>
             <a:endParaRPr lang="zh-CN" altLang="en-US"/>
           </a:p>
@@ -609,11 +624,20 @@
         <p:cNvGrpSpPr/>
         <p:nvPr/>
       </p:nvGrpSpPr>
-      <p:grpSpPr/>
+      <p:grpSpPr>
+        <a:xfrm>
+          <a:off x="0" y="0"/>
+          <a:ext cx="0" cy="0"/>
+          <a:chOff x="0" y="0"/>
+          <a:chExt cx="0" cy="0"/>
+        </a:xfrm>
+      </p:grpSpPr>
       <p:sp>
         <p:nvSpPr>
           <p:cNvPr id="2" name="幻灯片图像占位符 1"/>
-          <p:cNvSpPr/>
+          <p:cNvSpPr>
+            <a:spLocks noGrp="1" noRot="1" noChangeAspect="1"/>
+          </p:cNvSpPr>
           <p:nvPr>
             <p:ph type="sldImg" idx="2"/>
           </p:nvPr>
@@ -623,7 +647,9 @@
       <p:sp>
         <p:nvSpPr>
           <p:cNvPr id="3" name="文本占位符 2"/>
-          <p:cNvSpPr/>
+          <p:cNvSpPr>
+            <a:spLocks noGrp="1"/>
+          </p:cNvSpPr>
           <p:nvPr>
             <p:ph type="body" idx="3"/>
           </p:nvPr>
@@ -631,6 +657,7 @@
         <p:spPr/>
         <p:txBody>
           <a:bodyPr/>
+          <a:lstStyle/>
           <a:p>
             <a:endParaRPr lang="zh-CN" altLang="en-US"/>
           </a:p>
@@ -653,11 +680,20 @@
         <p:cNvGrpSpPr/>
         <p:nvPr/>
       </p:nvGrpSpPr>
-      <p:grpSpPr/>
+      <p:grpSpPr>
+        <a:xfrm>
+          <a:off x="0" y="0"/>
+          <a:ext cx="0" cy="0"/>
+          <a:chOff x="0" y="0"/>
+          <a:chExt cx="0" cy="0"/>
+        </a:xfrm>
+      </p:grpSpPr>
       <p:sp>
         <p:nvSpPr>
           <p:cNvPr id="2" name="幻灯片图像占位符 1"/>
-          <p:cNvSpPr/>
+          <p:cNvSpPr>
+            <a:spLocks noGrp="1" noRot="1" noChangeAspect="1"/>
+          </p:cNvSpPr>
           <p:nvPr>
             <p:ph type="sldImg" idx="2"/>
           </p:nvPr>
@@ -667,7 +703,9 @@
       <p:sp>
         <p:nvSpPr>
           <p:cNvPr id="3" name="文本占位符 2"/>
-          <p:cNvSpPr/>
+          <p:cNvSpPr>
+            <a:spLocks noGrp="1"/>
+          </p:cNvSpPr>
           <p:nvPr>
             <p:ph type="body" idx="3"/>
           </p:nvPr>
@@ -675,6 +713,7 @@
         <p:spPr/>
         <p:txBody>
           <a:bodyPr/>
+          <a:lstStyle/>
           <a:p>
             <a:endParaRPr lang="zh-CN" altLang="en-US"/>
           </a:p>
@@ -689,7 +728,7 @@
 </file>
 
 <file path=ppt/slideLayouts/slideLayout1.xml><?xml version="1.0" encoding="utf-8"?>
-<p:sldLayout xmlns:a="http://schemas.openxmlformats.org/drawingml/2006/main" xmlns:r="http://schemas.openxmlformats.org/officeDocument/2006/relationships" xmlns:p="http://schemas.openxmlformats.org/presentationml/2006/main" type="title" showMasterPhAnim="0">
+<p:sldLayout xmlns:a="http://schemas.openxmlformats.org/drawingml/2006/main" xmlns:r="http://schemas.openxmlformats.org/officeDocument/2006/relationships" xmlns:p="http://schemas.openxmlformats.org/presentationml/2006/main" showMasterPhAnim="0" type="title">
   <p:cSld name="标题幻灯片">
     <p:bg>
       <p:bgPr>
@@ -708,11 +747,20 @@
         <p:cNvGrpSpPr/>
         <p:nvPr/>
       </p:nvGrpSpPr>
-      <p:grpSpPr/>
+      <p:grpSpPr>
+        <a:xfrm>
+          <a:off x="0" y="0"/>
+          <a:ext cx="0" cy="0"/>
+          <a:chOff x="0" y="0"/>
+          <a:chExt cx="0" cy="0"/>
+        </a:xfrm>
+      </p:grpSpPr>
       <p:sp>
         <p:nvSpPr>
           <p:cNvPr id="2050" name="标题 2049"/>
-          <p:cNvSpPr/>
+          <p:cNvSpPr>
+            <a:spLocks noGrp="1"/>
+          </p:cNvSpPr>
           <p:nvPr>
             <p:ph type="ctrTitle"/>
           </p:nvPr>
@@ -748,14 +796,15 @@
               <a:rPr lang="zh-CN" altLang="en-US"/>
               <a:t>单击此处编辑母版标题样式</a:t>
             </a:r>
-            <a:endParaRPr lang="zh-CN" altLang="en-US"/>
           </a:p>
         </p:txBody>
       </p:sp>
       <p:sp>
         <p:nvSpPr>
           <p:cNvPr id="2051" name="副标题 2050"/>
-          <p:cNvSpPr/>
+          <p:cNvSpPr>
+            <a:spLocks noGrp="1"/>
+          </p:cNvSpPr>
           <p:nvPr>
             <p:ph type="subTitle" idx="1"/>
           </p:nvPr>
@@ -817,14 +866,15 @@
               <a:rPr lang="zh-CN" altLang="en-US"/>
               <a:t>单击此处编辑母版副标题样式</a:t>
             </a:r>
-            <a:endParaRPr lang="zh-CN" altLang="en-US"/>
           </a:p>
         </p:txBody>
       </p:sp>
       <p:sp>
         <p:nvSpPr>
           <p:cNvPr id="2052" name="日期占位符 2051"/>
-          <p:cNvSpPr/>
+          <p:cNvSpPr>
+            <a:spLocks noGrp="1"/>
+          </p:cNvSpPr>
           <p:nvPr>
             <p:ph type="dt" sz="half" idx="2"/>
           </p:nvPr>
@@ -859,7 +909,9 @@
       <p:sp>
         <p:nvSpPr>
           <p:cNvPr id="2053" name="页脚占位符 2052"/>
-          <p:cNvSpPr/>
+          <p:cNvSpPr>
+            <a:spLocks noGrp="1"/>
+          </p:cNvSpPr>
           <p:nvPr>
             <p:ph type="ftr" sz="quarter" idx="3"/>
           </p:nvPr>
@@ -894,7 +946,9 @@
       <p:sp>
         <p:nvSpPr>
           <p:cNvPr id="2054" name="灯片编号占位符 2053"/>
-          <p:cNvSpPr/>
+          <p:cNvSpPr>
+            <a:spLocks noGrp="1"/>
+          </p:cNvSpPr>
           <p:nvPr>
             <p:ph type="sldNum" sz="quarter" idx="4"/>
           </p:nvPr>
@@ -924,6 +978,7 @@
               <a:rPr lang="zh-CN" altLang="en-US" dirty="0">
                 <a:latin typeface="Arial" panose="020B0604020202020204" pitchFamily="34" charset="0"/>
               </a:rPr>
+              <a:t>‹#›</a:t>
             </a:fld>
             <a:endParaRPr lang="zh-CN" altLang="en-US" dirty="0">
               <a:latin typeface="Arial" panose="020B0604020202020204" pitchFamily="34" charset="0"/>
@@ -1000,7 +1055,6 @@
               <a:rPr lang="zh-CN" altLang="en-US" smtClean="0"/>
               <a:t>单击此处编辑母版文本样式</a:t>
             </a:r>
-            <a:endParaRPr lang="zh-CN" altLang="en-US" smtClean="0"/>
           </a:p>
           <a:p>
             <a:pPr lvl="1"/>
@@ -1008,7 +1062,6 @@
               <a:rPr lang="zh-CN" altLang="en-US" smtClean="0"/>
               <a:t>第二级</a:t>
             </a:r>
-            <a:endParaRPr lang="zh-CN" altLang="en-US" smtClean="0"/>
           </a:p>
           <a:p>
             <a:pPr lvl="2"/>
@@ -1016,7 +1069,6 @@
               <a:rPr lang="zh-CN" altLang="en-US" smtClean="0"/>
               <a:t>第三级</a:t>
             </a:r>
-            <a:endParaRPr lang="zh-CN" altLang="en-US" smtClean="0"/>
           </a:p>
           <a:p>
             <a:pPr lvl="3"/>
@@ -1024,7 +1076,6 @@
               <a:rPr lang="zh-CN" altLang="en-US" smtClean="0"/>
               <a:t>第四级</a:t>
             </a:r>
-            <a:endParaRPr lang="zh-CN" altLang="en-US" smtClean="0"/>
           </a:p>
           <a:p>
             <a:pPr lvl="4"/>
@@ -1100,6 +1151,7 @@
               <a:rPr lang="zh-CN" altLang="en-US" dirty="0">
                 <a:latin typeface="Arial" panose="020B0604020202020204" pitchFamily="34" charset="0"/>
               </a:rPr>
+              <a:t>‹#›</a:t>
             </a:fld>
             <a:endParaRPr lang="zh-CN" altLang="en-US" dirty="0">
               <a:latin typeface="Arial" panose="020B0604020202020204" pitchFamily="34" charset="0"/>
@@ -1185,7 +1237,6 @@
               <a:rPr lang="zh-CN" altLang="en-US" smtClean="0"/>
               <a:t>单击此处编辑母版文本样式</a:t>
             </a:r>
-            <a:endParaRPr lang="zh-CN" altLang="en-US" smtClean="0"/>
           </a:p>
           <a:p>
             <a:pPr lvl="1"/>
@@ -1193,7 +1244,6 @@
               <a:rPr lang="zh-CN" altLang="en-US" smtClean="0"/>
               <a:t>第二级</a:t>
             </a:r>
-            <a:endParaRPr lang="zh-CN" altLang="en-US" smtClean="0"/>
           </a:p>
           <a:p>
             <a:pPr lvl="2"/>
@@ -1201,7 +1251,6 @@
               <a:rPr lang="zh-CN" altLang="en-US" smtClean="0"/>
               <a:t>第三级</a:t>
             </a:r>
-            <a:endParaRPr lang="zh-CN" altLang="en-US" smtClean="0"/>
           </a:p>
           <a:p>
             <a:pPr lvl="3"/>
@@ -1209,7 +1258,6 @@
               <a:rPr lang="zh-CN" altLang="en-US" smtClean="0"/>
               <a:t>第四级</a:t>
             </a:r>
-            <a:endParaRPr lang="zh-CN" altLang="en-US" smtClean="0"/>
           </a:p>
           <a:p>
             <a:pPr lvl="4"/>
@@ -1285,6 +1333,7 @@
               <a:rPr lang="zh-CN" altLang="en-US" dirty="0">
                 <a:latin typeface="Arial" panose="020B0604020202020204" pitchFamily="34" charset="0"/>
               </a:rPr>
+              <a:t>‹#›</a:t>
             </a:fld>
             <a:endParaRPr lang="zh-CN" altLang="en-US" dirty="0">
               <a:latin typeface="Arial" panose="020B0604020202020204" pitchFamily="34" charset="0"/>
@@ -1301,7 +1350,7 @@
 </file>
 
 <file path=ppt/slideLayouts/slideLayout12.xml><?xml version="1.0" encoding="utf-8"?>
-<p:sldLayout xmlns:a="http://schemas.openxmlformats.org/drawingml/2006/main" xmlns:r="http://schemas.openxmlformats.org/officeDocument/2006/relationships" xmlns:p="http://schemas.openxmlformats.org/presentationml/2006/main" type="title" showMasterPhAnim="0">
+<p:sldLayout xmlns:a="http://schemas.openxmlformats.org/drawingml/2006/main" xmlns:r="http://schemas.openxmlformats.org/officeDocument/2006/relationships" xmlns:p="http://schemas.openxmlformats.org/presentationml/2006/main" showMasterPhAnim="0" type="title">
   <p:cSld name="标题幻灯片">
     <p:bg>
       <p:bgPr>
@@ -1320,11 +1369,20 @@
         <p:cNvGrpSpPr/>
         <p:nvPr/>
       </p:nvGrpSpPr>
-      <p:grpSpPr/>
+      <p:grpSpPr>
+        <a:xfrm>
+          <a:off x="0" y="0"/>
+          <a:ext cx="0" cy="0"/>
+          <a:chOff x="0" y="0"/>
+          <a:chExt cx="0" cy="0"/>
+        </a:xfrm>
+      </p:grpSpPr>
       <p:sp>
         <p:nvSpPr>
           <p:cNvPr id="2050" name="标题 2049"/>
-          <p:cNvSpPr/>
+          <p:cNvSpPr>
+            <a:spLocks noGrp="1"/>
+          </p:cNvSpPr>
           <p:nvPr>
             <p:ph type="ctrTitle"/>
           </p:nvPr>
@@ -1360,14 +1418,15 @@
               <a:rPr lang="zh-CN" altLang="en-US"/>
               <a:t>单击此处编辑母版标题样式</a:t>
             </a:r>
-            <a:endParaRPr lang="zh-CN" altLang="en-US"/>
           </a:p>
         </p:txBody>
       </p:sp>
       <p:sp>
         <p:nvSpPr>
           <p:cNvPr id="2051" name="副标题 2050"/>
-          <p:cNvSpPr/>
+          <p:cNvSpPr>
+            <a:spLocks noGrp="1"/>
+          </p:cNvSpPr>
           <p:nvPr>
             <p:ph type="subTitle" idx="1"/>
           </p:nvPr>
@@ -1429,14 +1488,15 @@
               <a:rPr lang="zh-CN" altLang="en-US"/>
               <a:t>单击此处编辑母版副标题样式</a:t>
             </a:r>
-            <a:endParaRPr lang="zh-CN" altLang="en-US"/>
           </a:p>
         </p:txBody>
       </p:sp>
       <p:sp>
         <p:nvSpPr>
           <p:cNvPr id="2052" name="日期占位符 2051"/>
-          <p:cNvSpPr/>
+          <p:cNvSpPr>
+            <a:spLocks noGrp="1"/>
+          </p:cNvSpPr>
           <p:nvPr>
             <p:ph type="dt" sz="half" idx="2"/>
           </p:nvPr>
@@ -1471,7 +1531,9 @@
       <p:sp>
         <p:nvSpPr>
           <p:cNvPr id="2053" name="页脚占位符 2052"/>
-          <p:cNvSpPr/>
+          <p:cNvSpPr>
+            <a:spLocks noGrp="1"/>
+          </p:cNvSpPr>
           <p:nvPr>
             <p:ph type="ftr" sz="quarter" idx="3"/>
           </p:nvPr>
@@ -1506,7 +1568,9 @@
       <p:sp>
         <p:nvSpPr>
           <p:cNvPr id="2054" name="灯片编号占位符 2053"/>
-          <p:cNvSpPr/>
+          <p:cNvSpPr>
+            <a:spLocks noGrp="1"/>
+          </p:cNvSpPr>
           <p:nvPr>
             <p:ph type="sldNum" sz="quarter" idx="4"/>
           </p:nvPr>
@@ -1536,6 +1600,7 @@
               <a:rPr lang="zh-CN" altLang="en-US" dirty="0">
                 <a:latin typeface="Arial" panose="020B0604020202020204" pitchFamily="34" charset="0"/>
               </a:rPr>
+              <a:t>‹#›</a:t>
             </a:fld>
             <a:endParaRPr lang="zh-CN" altLang="en-US" dirty="0">
               <a:latin typeface="Arial" panose="020B0604020202020204" pitchFamily="34" charset="0"/>
@@ -1612,7 +1677,6 @@
               <a:rPr lang="zh-CN" altLang="en-US" smtClean="0"/>
               <a:t>单击此处编辑母版文本样式</a:t>
             </a:r>
-            <a:endParaRPr lang="zh-CN" altLang="en-US" smtClean="0"/>
           </a:p>
           <a:p>
             <a:pPr lvl="1"/>
@@ -1620,7 +1684,6 @@
               <a:rPr lang="zh-CN" altLang="en-US" smtClean="0"/>
               <a:t>第二级</a:t>
             </a:r>
-            <a:endParaRPr lang="zh-CN" altLang="en-US" smtClean="0"/>
           </a:p>
           <a:p>
             <a:pPr lvl="2"/>
@@ -1628,7 +1691,6 @@
               <a:rPr lang="zh-CN" altLang="en-US" smtClean="0"/>
               <a:t>第三级</a:t>
             </a:r>
-            <a:endParaRPr lang="zh-CN" altLang="en-US" smtClean="0"/>
           </a:p>
           <a:p>
             <a:pPr lvl="3"/>
@@ -1636,7 +1698,6 @@
               <a:rPr lang="zh-CN" altLang="en-US" smtClean="0"/>
               <a:t>第四级</a:t>
             </a:r>
-            <a:endParaRPr lang="zh-CN" altLang="en-US" smtClean="0"/>
           </a:p>
           <a:p>
             <a:pPr lvl="4"/>
@@ -1712,6 +1773,7 @@
               <a:rPr lang="zh-CN" altLang="en-US" dirty="0">
                 <a:latin typeface="Arial" panose="020B0604020202020204" pitchFamily="34" charset="0"/>
               </a:rPr>
+              <a:t>‹#›</a:t>
             </a:fld>
             <a:endParaRPr lang="zh-CN" altLang="en-US" dirty="0">
               <a:latin typeface="Arial" panose="020B0604020202020204" pitchFamily="34" charset="0"/>
@@ -1892,7 +1954,6 @@
               <a:rPr lang="zh-CN" altLang="en-US" smtClean="0"/>
               <a:t>单击此处编辑母版文本样式</a:t>
             </a:r>
-            <a:endParaRPr lang="zh-CN" altLang="en-US" smtClean="0"/>
           </a:p>
         </p:txBody>
       </p:sp>
@@ -1960,6 +2021,7 @@
               <a:rPr lang="zh-CN" altLang="en-US" dirty="0">
                 <a:latin typeface="Arial" panose="020B0604020202020204" pitchFamily="34" charset="0"/>
               </a:rPr>
+              <a:t>‹#›</a:t>
             </a:fld>
             <a:endParaRPr lang="zh-CN" altLang="en-US" dirty="0">
               <a:latin typeface="Arial" panose="020B0604020202020204" pitchFamily="34" charset="0"/>
@@ -2040,7 +2102,6 @@
               <a:rPr lang="zh-CN" altLang="en-US" smtClean="0"/>
               <a:t>单击此处编辑母版文本样式</a:t>
             </a:r>
-            <a:endParaRPr lang="zh-CN" altLang="en-US" smtClean="0"/>
           </a:p>
           <a:p>
             <a:pPr lvl="1"/>
@@ -2048,7 +2109,6 @@
               <a:rPr lang="zh-CN" altLang="en-US" smtClean="0"/>
               <a:t>第二级</a:t>
             </a:r>
-            <a:endParaRPr lang="zh-CN" altLang="en-US" smtClean="0"/>
           </a:p>
           <a:p>
             <a:pPr lvl="2"/>
@@ -2056,7 +2116,6 @@
               <a:rPr lang="zh-CN" altLang="en-US" smtClean="0"/>
               <a:t>第三级</a:t>
             </a:r>
-            <a:endParaRPr lang="zh-CN" altLang="en-US" smtClean="0"/>
           </a:p>
           <a:p>
             <a:pPr lvl="3"/>
@@ -2064,7 +2123,6 @@
               <a:rPr lang="zh-CN" altLang="en-US" smtClean="0"/>
               <a:t>第四级</a:t>
             </a:r>
-            <a:endParaRPr lang="zh-CN" altLang="en-US" smtClean="0"/>
           </a:p>
           <a:p>
             <a:pPr lvl="4"/>
@@ -2101,7 +2159,6 @@
               <a:rPr lang="zh-CN" altLang="en-US" smtClean="0"/>
               <a:t>单击此处编辑母版文本样式</a:t>
             </a:r>
-            <a:endParaRPr lang="zh-CN" altLang="en-US" smtClean="0"/>
           </a:p>
           <a:p>
             <a:pPr lvl="1"/>
@@ -2109,7 +2166,6 @@
               <a:rPr lang="zh-CN" altLang="en-US" smtClean="0"/>
               <a:t>第二级</a:t>
             </a:r>
-            <a:endParaRPr lang="zh-CN" altLang="en-US" smtClean="0"/>
           </a:p>
           <a:p>
             <a:pPr lvl="2"/>
@@ -2117,7 +2173,6 @@
               <a:rPr lang="zh-CN" altLang="en-US" smtClean="0"/>
               <a:t>第三级</a:t>
             </a:r>
-            <a:endParaRPr lang="zh-CN" altLang="en-US" smtClean="0"/>
           </a:p>
           <a:p>
             <a:pPr lvl="3"/>
@@ -2125,7 +2180,6 @@
               <a:rPr lang="zh-CN" altLang="en-US" smtClean="0"/>
               <a:t>第四级</a:t>
             </a:r>
-            <a:endParaRPr lang="zh-CN" altLang="en-US" smtClean="0"/>
           </a:p>
           <a:p>
             <a:pPr lvl="4"/>
@@ -2201,6 +2255,7 @@
               <a:rPr lang="zh-CN" altLang="en-US" dirty="0">
                 <a:latin typeface="Arial" panose="020B0604020202020204" pitchFamily="34" charset="0"/>
               </a:rPr>
+              <a:t>‹#›</a:t>
             </a:fld>
             <a:endParaRPr lang="zh-CN" altLang="en-US" dirty="0">
               <a:latin typeface="Arial" panose="020B0604020202020204" pitchFamily="34" charset="0"/>
@@ -2323,7 +2378,6 @@
               <a:rPr lang="zh-CN" altLang="en-US" smtClean="0"/>
               <a:t>单击此处编辑母版文本样式</a:t>
             </a:r>
-            <a:endParaRPr lang="zh-CN" altLang="en-US" smtClean="0"/>
           </a:p>
         </p:txBody>
       </p:sp>
@@ -2352,7 +2406,6 @@
               <a:rPr lang="zh-CN" altLang="en-US" smtClean="0"/>
               <a:t>单击此处编辑母版文本样式</a:t>
             </a:r>
-            <a:endParaRPr lang="zh-CN" altLang="en-US" smtClean="0"/>
           </a:p>
           <a:p>
             <a:pPr lvl="1"/>
@@ -2360,7 +2413,6 @@
               <a:rPr lang="zh-CN" altLang="en-US" smtClean="0"/>
               <a:t>第二级</a:t>
             </a:r>
-            <a:endParaRPr lang="zh-CN" altLang="en-US" smtClean="0"/>
           </a:p>
           <a:p>
             <a:pPr lvl="2"/>
@@ -2368,7 +2420,6 @@
               <a:rPr lang="zh-CN" altLang="en-US" smtClean="0"/>
               <a:t>第三级</a:t>
             </a:r>
-            <a:endParaRPr lang="zh-CN" altLang="en-US" smtClean="0"/>
           </a:p>
           <a:p>
             <a:pPr lvl="3"/>
@@ -2376,7 +2427,6 @@
               <a:rPr lang="zh-CN" altLang="en-US" smtClean="0"/>
               <a:t>第四级</a:t>
             </a:r>
-            <a:endParaRPr lang="zh-CN" altLang="en-US" smtClean="0"/>
           </a:p>
           <a:p>
             <a:pPr lvl="4"/>
@@ -2450,7 +2500,6 @@
               <a:rPr lang="zh-CN" altLang="en-US" smtClean="0"/>
               <a:t>单击此处编辑母版文本样式</a:t>
             </a:r>
-            <a:endParaRPr lang="zh-CN" altLang="en-US" smtClean="0"/>
           </a:p>
         </p:txBody>
       </p:sp>
@@ -2479,7 +2528,6 @@
               <a:rPr lang="zh-CN" altLang="en-US" smtClean="0"/>
               <a:t>单击此处编辑母版文本样式</a:t>
             </a:r>
-            <a:endParaRPr lang="zh-CN" altLang="en-US" smtClean="0"/>
           </a:p>
           <a:p>
             <a:pPr lvl="1"/>
@@ -2487,7 +2535,6 @@
               <a:rPr lang="zh-CN" altLang="en-US" smtClean="0"/>
               <a:t>第二级</a:t>
             </a:r>
-            <a:endParaRPr lang="zh-CN" altLang="en-US" smtClean="0"/>
           </a:p>
           <a:p>
             <a:pPr lvl="2"/>
@@ -2495,7 +2542,6 @@
               <a:rPr lang="zh-CN" altLang="en-US" smtClean="0"/>
               <a:t>第三级</a:t>
             </a:r>
-            <a:endParaRPr lang="zh-CN" altLang="en-US" smtClean="0"/>
           </a:p>
           <a:p>
             <a:pPr lvl="3"/>
@@ -2503,7 +2549,6 @@
               <a:rPr lang="zh-CN" altLang="en-US" smtClean="0"/>
               <a:t>第四级</a:t>
             </a:r>
-            <a:endParaRPr lang="zh-CN" altLang="en-US" smtClean="0"/>
           </a:p>
           <a:p>
             <a:pPr lvl="4"/>
@@ -2579,6 +2624,7 @@
               <a:rPr lang="zh-CN" altLang="en-US" dirty="0">
                 <a:latin typeface="Arial" panose="020B0604020202020204" pitchFamily="34" charset="0"/>
               </a:rPr>
+              <a:t>‹#›</a:t>
             </a:fld>
             <a:endParaRPr lang="zh-CN" altLang="en-US" dirty="0">
               <a:latin typeface="Arial" panose="020B0604020202020204" pitchFamily="34" charset="0"/>
@@ -2698,6 +2744,7 @@
               <a:rPr lang="zh-CN" altLang="en-US" dirty="0">
                 <a:latin typeface="Arial" panose="020B0604020202020204" pitchFamily="34" charset="0"/>
               </a:rPr>
+              <a:t>‹#›</a:t>
             </a:fld>
             <a:endParaRPr lang="zh-CN" altLang="en-US" dirty="0">
               <a:latin typeface="Arial" panose="020B0604020202020204" pitchFamily="34" charset="0"/>
@@ -2794,6 +2841,7 @@
               <a:rPr lang="zh-CN" altLang="en-US" dirty="0">
                 <a:latin typeface="Arial" panose="020B0604020202020204" pitchFamily="34" charset="0"/>
               </a:rPr>
+              <a:t>‹#›</a:t>
             </a:fld>
             <a:endParaRPr lang="zh-CN" altLang="en-US" dirty="0">
               <a:latin typeface="Arial" panose="020B0604020202020204" pitchFamily="34" charset="0"/>
@@ -2911,7 +2959,6 @@
               <a:rPr lang="zh-CN" altLang="en-US" smtClean="0"/>
               <a:t>单击此处编辑母版文本样式</a:t>
             </a:r>
-            <a:endParaRPr lang="zh-CN" altLang="en-US" smtClean="0"/>
           </a:p>
           <a:p>
             <a:pPr lvl="1"/>
@@ -2919,7 +2966,6 @@
               <a:rPr lang="zh-CN" altLang="en-US" smtClean="0"/>
               <a:t>第二级</a:t>
             </a:r>
-            <a:endParaRPr lang="zh-CN" altLang="en-US" smtClean="0"/>
           </a:p>
           <a:p>
             <a:pPr lvl="2"/>
@@ -2927,7 +2973,6 @@
               <a:rPr lang="zh-CN" altLang="en-US" smtClean="0"/>
               <a:t>第三级</a:t>
             </a:r>
-            <a:endParaRPr lang="zh-CN" altLang="en-US" smtClean="0"/>
           </a:p>
           <a:p>
             <a:pPr lvl="3"/>
@@ -2935,7 +2980,6 @@
               <a:rPr lang="zh-CN" altLang="en-US" smtClean="0"/>
               <a:t>第四级</a:t>
             </a:r>
-            <a:endParaRPr lang="zh-CN" altLang="en-US" smtClean="0"/>
           </a:p>
           <a:p>
             <a:pPr lvl="4"/>
@@ -3009,7 +3053,6 @@
               <a:rPr lang="zh-CN" altLang="en-US" smtClean="0"/>
               <a:t>单击此处编辑母版文本样式</a:t>
             </a:r>
-            <a:endParaRPr lang="zh-CN" altLang="en-US" smtClean="0"/>
           </a:p>
         </p:txBody>
       </p:sp>
@@ -3077,6 +3120,7 @@
               <a:rPr lang="zh-CN" altLang="en-US" dirty="0">
                 <a:latin typeface="Arial" panose="020B0604020202020204" pitchFamily="34" charset="0"/>
               </a:rPr>
+              <a:t>‹#›</a:t>
             </a:fld>
             <a:endParaRPr lang="zh-CN" altLang="en-US" dirty="0">
               <a:latin typeface="Arial" panose="020B0604020202020204" pitchFamily="34" charset="0"/>
@@ -3152,7 +3196,6 @@
               <a:rPr lang="zh-CN" altLang="en-US" smtClean="0"/>
               <a:t>单击此处编辑母版文本样式</a:t>
             </a:r>
-            <a:endParaRPr lang="zh-CN" altLang="en-US" smtClean="0"/>
           </a:p>
           <a:p>
             <a:pPr lvl="1"/>
@@ -3160,7 +3203,6 @@
               <a:rPr lang="zh-CN" altLang="en-US" smtClean="0"/>
               <a:t>第二级</a:t>
             </a:r>
-            <a:endParaRPr lang="zh-CN" altLang="en-US" smtClean="0"/>
           </a:p>
           <a:p>
             <a:pPr lvl="2"/>
@@ -3168,7 +3210,6 @@
               <a:rPr lang="zh-CN" altLang="en-US" smtClean="0"/>
               <a:t>第三级</a:t>
             </a:r>
-            <a:endParaRPr lang="zh-CN" altLang="en-US" smtClean="0"/>
           </a:p>
           <a:p>
             <a:pPr lvl="3"/>
@@ -3176,7 +3217,6 @@
               <a:rPr lang="zh-CN" altLang="en-US" smtClean="0"/>
               <a:t>第四级</a:t>
             </a:r>
-            <a:endParaRPr lang="zh-CN" altLang="en-US" smtClean="0"/>
           </a:p>
           <a:p>
             <a:pPr lvl="4"/>
@@ -3252,6 +3292,7 @@
               <a:rPr lang="zh-CN" altLang="en-US" dirty="0">
                 <a:latin typeface="Arial" panose="020B0604020202020204" pitchFamily="34" charset="0"/>
               </a:rPr>
+              <a:t>‹#›</a:t>
             </a:fld>
             <a:endParaRPr lang="zh-CN" altLang="en-US" dirty="0">
               <a:latin typeface="Arial" panose="020B0604020202020204" pitchFamily="34" charset="0"/>
@@ -3439,7 +3480,6 @@
               <a:rPr lang="zh-CN" altLang="en-US" smtClean="0"/>
               <a:t>单击此处编辑母版文本样式</a:t>
             </a:r>
-            <a:endParaRPr lang="zh-CN" altLang="en-US" smtClean="0"/>
           </a:p>
         </p:txBody>
       </p:sp>
@@ -3507,6 +3547,7 @@
               <a:rPr lang="zh-CN" altLang="en-US" dirty="0">
                 <a:latin typeface="Arial" panose="020B0604020202020204" pitchFamily="34" charset="0"/>
               </a:rPr>
+              <a:t>‹#›</a:t>
             </a:fld>
             <a:endParaRPr lang="zh-CN" altLang="en-US" dirty="0">
               <a:latin typeface="Arial" panose="020B0604020202020204" pitchFamily="34" charset="0"/>
@@ -3582,7 +3623,6 @@
               <a:rPr lang="zh-CN" altLang="en-US" smtClean="0"/>
               <a:t>单击此处编辑母版文本样式</a:t>
             </a:r>
-            <a:endParaRPr lang="zh-CN" altLang="en-US" smtClean="0"/>
           </a:p>
           <a:p>
             <a:pPr lvl="1"/>
@@ -3590,7 +3630,6 @@
               <a:rPr lang="zh-CN" altLang="en-US" smtClean="0"/>
               <a:t>第二级</a:t>
             </a:r>
-            <a:endParaRPr lang="zh-CN" altLang="en-US" smtClean="0"/>
           </a:p>
           <a:p>
             <a:pPr lvl="2"/>
@@ -3598,7 +3637,6 @@
               <a:rPr lang="zh-CN" altLang="en-US" smtClean="0"/>
               <a:t>第三级</a:t>
             </a:r>
-            <a:endParaRPr lang="zh-CN" altLang="en-US" smtClean="0"/>
           </a:p>
           <a:p>
             <a:pPr lvl="3"/>
@@ -3606,7 +3644,6 @@
               <a:rPr lang="zh-CN" altLang="en-US" smtClean="0"/>
               <a:t>第四级</a:t>
             </a:r>
-            <a:endParaRPr lang="zh-CN" altLang="en-US" smtClean="0"/>
           </a:p>
           <a:p>
             <a:pPr lvl="4"/>
@@ -3682,6 +3719,7 @@
               <a:rPr lang="zh-CN" altLang="en-US" dirty="0">
                 <a:latin typeface="Arial" panose="020B0604020202020204" pitchFamily="34" charset="0"/>
               </a:rPr>
+              <a:t>‹#›</a:t>
             </a:fld>
             <a:endParaRPr lang="zh-CN" altLang="en-US" dirty="0">
               <a:latin typeface="Arial" panose="020B0604020202020204" pitchFamily="34" charset="0"/>
@@ -3767,7 +3805,6 @@
               <a:rPr lang="zh-CN" altLang="en-US" smtClean="0"/>
               <a:t>单击此处编辑母版文本样式</a:t>
             </a:r>
-            <a:endParaRPr lang="zh-CN" altLang="en-US" smtClean="0"/>
           </a:p>
           <a:p>
             <a:pPr lvl="1"/>
@@ -3775,7 +3812,6 @@
               <a:rPr lang="zh-CN" altLang="en-US" smtClean="0"/>
               <a:t>第二级</a:t>
             </a:r>
-            <a:endParaRPr lang="zh-CN" altLang="en-US" smtClean="0"/>
           </a:p>
           <a:p>
             <a:pPr lvl="2"/>
@@ -3783,7 +3819,6 @@
               <a:rPr lang="zh-CN" altLang="en-US" smtClean="0"/>
               <a:t>第三级</a:t>
             </a:r>
-            <a:endParaRPr lang="zh-CN" altLang="en-US" smtClean="0"/>
           </a:p>
           <a:p>
             <a:pPr lvl="3"/>
@@ -3791,7 +3826,6 @@
               <a:rPr lang="zh-CN" altLang="en-US" smtClean="0"/>
               <a:t>第四级</a:t>
             </a:r>
-            <a:endParaRPr lang="zh-CN" altLang="en-US" smtClean="0"/>
           </a:p>
           <a:p>
             <a:pPr lvl="4"/>
@@ -3867,6 +3901,7 @@
               <a:rPr lang="zh-CN" altLang="en-US" dirty="0">
                 <a:latin typeface="Arial" panose="020B0604020202020204" pitchFamily="34" charset="0"/>
               </a:rPr>
+              <a:t>‹#›</a:t>
             </a:fld>
             <a:endParaRPr lang="zh-CN" altLang="en-US" dirty="0">
               <a:latin typeface="Arial" panose="020B0604020202020204" pitchFamily="34" charset="0"/>
@@ -4047,7 +4082,6 @@
               <a:rPr lang="zh-CN" altLang="en-US" smtClean="0"/>
               <a:t>单击此处编辑母版文本样式</a:t>
             </a:r>
-            <a:endParaRPr lang="zh-CN" altLang="en-US" smtClean="0"/>
           </a:p>
         </p:txBody>
       </p:sp>
@@ -4115,6 +4149,7 @@
               <a:rPr lang="zh-CN" altLang="en-US" dirty="0">
                 <a:latin typeface="Arial" panose="020B0604020202020204" pitchFamily="34" charset="0"/>
               </a:rPr>
+              <a:t>‹#›</a:t>
             </a:fld>
             <a:endParaRPr lang="zh-CN" altLang="en-US" dirty="0">
               <a:latin typeface="Arial" panose="020B0604020202020204" pitchFamily="34" charset="0"/>
@@ -4195,7 +4230,6 @@
               <a:rPr lang="zh-CN" altLang="en-US" smtClean="0"/>
               <a:t>单击此处编辑母版文本样式</a:t>
             </a:r>
-            <a:endParaRPr lang="zh-CN" altLang="en-US" smtClean="0"/>
           </a:p>
           <a:p>
             <a:pPr lvl="1"/>
@@ -4203,7 +4237,6 @@
               <a:rPr lang="zh-CN" altLang="en-US" smtClean="0"/>
               <a:t>第二级</a:t>
             </a:r>
-            <a:endParaRPr lang="zh-CN" altLang="en-US" smtClean="0"/>
           </a:p>
           <a:p>
             <a:pPr lvl="2"/>
@@ -4211,7 +4244,6 @@
               <a:rPr lang="zh-CN" altLang="en-US" smtClean="0"/>
               <a:t>第三级</a:t>
             </a:r>
-            <a:endParaRPr lang="zh-CN" altLang="en-US" smtClean="0"/>
           </a:p>
           <a:p>
             <a:pPr lvl="3"/>
@@ -4219,7 +4251,6 @@
               <a:rPr lang="zh-CN" altLang="en-US" smtClean="0"/>
               <a:t>第四级</a:t>
             </a:r>
-            <a:endParaRPr lang="zh-CN" altLang="en-US" smtClean="0"/>
           </a:p>
           <a:p>
             <a:pPr lvl="4"/>
@@ -4256,7 +4287,6 @@
               <a:rPr lang="zh-CN" altLang="en-US" smtClean="0"/>
               <a:t>单击此处编辑母版文本样式</a:t>
             </a:r>
-            <a:endParaRPr lang="zh-CN" altLang="en-US" smtClean="0"/>
           </a:p>
           <a:p>
             <a:pPr lvl="1"/>
@@ -4264,7 +4294,6 @@
               <a:rPr lang="zh-CN" altLang="en-US" smtClean="0"/>
               <a:t>第二级</a:t>
             </a:r>
-            <a:endParaRPr lang="zh-CN" altLang="en-US" smtClean="0"/>
           </a:p>
           <a:p>
             <a:pPr lvl="2"/>
@@ -4272,7 +4301,6 @@
               <a:rPr lang="zh-CN" altLang="en-US" smtClean="0"/>
               <a:t>第三级</a:t>
             </a:r>
-            <a:endParaRPr lang="zh-CN" altLang="en-US" smtClean="0"/>
           </a:p>
           <a:p>
             <a:pPr lvl="3"/>
@@ -4280,7 +4308,6 @@
               <a:rPr lang="zh-CN" altLang="en-US" smtClean="0"/>
               <a:t>第四级</a:t>
             </a:r>
-            <a:endParaRPr lang="zh-CN" altLang="en-US" smtClean="0"/>
           </a:p>
           <a:p>
             <a:pPr lvl="4"/>
@@ -4356,6 +4383,7 @@
               <a:rPr lang="zh-CN" altLang="en-US" dirty="0">
                 <a:latin typeface="Arial" panose="020B0604020202020204" pitchFamily="34" charset="0"/>
               </a:rPr>
+              <a:t>‹#›</a:t>
             </a:fld>
             <a:endParaRPr lang="zh-CN" altLang="en-US" dirty="0">
               <a:latin typeface="Arial" panose="020B0604020202020204" pitchFamily="34" charset="0"/>
@@ -4478,7 +4506,6 @@
               <a:rPr lang="zh-CN" altLang="en-US" smtClean="0"/>
               <a:t>单击此处编辑母版文本样式</a:t>
             </a:r>
-            <a:endParaRPr lang="zh-CN" altLang="en-US" smtClean="0"/>
           </a:p>
         </p:txBody>
       </p:sp>
@@ -4507,7 +4534,6 @@
               <a:rPr lang="zh-CN" altLang="en-US" smtClean="0"/>
               <a:t>单击此处编辑母版文本样式</a:t>
             </a:r>
-            <a:endParaRPr lang="zh-CN" altLang="en-US" smtClean="0"/>
           </a:p>
           <a:p>
             <a:pPr lvl="1"/>
@@ -4515,7 +4541,6 @@
               <a:rPr lang="zh-CN" altLang="en-US" smtClean="0"/>
               <a:t>第二级</a:t>
             </a:r>
-            <a:endParaRPr lang="zh-CN" altLang="en-US" smtClean="0"/>
           </a:p>
           <a:p>
             <a:pPr lvl="2"/>
@@ -4523,7 +4548,6 @@
               <a:rPr lang="zh-CN" altLang="en-US" smtClean="0"/>
               <a:t>第三级</a:t>
             </a:r>
-            <a:endParaRPr lang="zh-CN" altLang="en-US" smtClean="0"/>
           </a:p>
           <a:p>
             <a:pPr lvl="3"/>
@@ -4531,7 +4555,6 @@
               <a:rPr lang="zh-CN" altLang="en-US" smtClean="0"/>
               <a:t>第四级</a:t>
             </a:r>
-            <a:endParaRPr lang="zh-CN" altLang="en-US" smtClean="0"/>
           </a:p>
           <a:p>
             <a:pPr lvl="4"/>
@@ -4605,7 +4628,6 @@
               <a:rPr lang="zh-CN" altLang="en-US" smtClean="0"/>
               <a:t>单击此处编辑母版文本样式</a:t>
             </a:r>
-            <a:endParaRPr lang="zh-CN" altLang="en-US" smtClean="0"/>
           </a:p>
         </p:txBody>
       </p:sp>
@@ -4634,7 +4656,6 @@
               <a:rPr lang="zh-CN" altLang="en-US" smtClean="0"/>
               <a:t>单击此处编辑母版文本样式</a:t>
             </a:r>
-            <a:endParaRPr lang="zh-CN" altLang="en-US" smtClean="0"/>
           </a:p>
           <a:p>
             <a:pPr lvl="1"/>
@@ -4642,7 +4663,6 @@
               <a:rPr lang="zh-CN" altLang="en-US" smtClean="0"/>
               <a:t>第二级</a:t>
             </a:r>
-            <a:endParaRPr lang="zh-CN" altLang="en-US" smtClean="0"/>
           </a:p>
           <a:p>
             <a:pPr lvl="2"/>
@@ -4650,7 +4670,6 @@
               <a:rPr lang="zh-CN" altLang="en-US" smtClean="0"/>
               <a:t>第三级</a:t>
             </a:r>
-            <a:endParaRPr lang="zh-CN" altLang="en-US" smtClean="0"/>
           </a:p>
           <a:p>
             <a:pPr lvl="3"/>
@@ -4658,7 +4677,6 @@
               <a:rPr lang="zh-CN" altLang="en-US" smtClean="0"/>
               <a:t>第四级</a:t>
             </a:r>
-            <a:endParaRPr lang="zh-CN" altLang="en-US" smtClean="0"/>
           </a:p>
           <a:p>
             <a:pPr lvl="4"/>
@@ -4734,6 +4752,7 @@
               <a:rPr lang="zh-CN" altLang="en-US" dirty="0">
                 <a:latin typeface="Arial" panose="020B0604020202020204" pitchFamily="34" charset="0"/>
               </a:rPr>
+              <a:t>‹#›</a:t>
             </a:fld>
             <a:endParaRPr lang="zh-CN" altLang="en-US" dirty="0">
               <a:latin typeface="Arial" panose="020B0604020202020204" pitchFamily="34" charset="0"/>
@@ -4853,6 +4872,7 @@
               <a:rPr lang="zh-CN" altLang="en-US" dirty="0">
                 <a:latin typeface="Arial" panose="020B0604020202020204" pitchFamily="34" charset="0"/>
               </a:rPr>
+              <a:t>‹#›</a:t>
             </a:fld>
             <a:endParaRPr lang="zh-CN" altLang="en-US" dirty="0">
               <a:latin typeface="Arial" panose="020B0604020202020204" pitchFamily="34" charset="0"/>
@@ -4949,6 +4969,7 @@
               <a:rPr lang="zh-CN" altLang="en-US" dirty="0">
                 <a:latin typeface="Arial" panose="020B0604020202020204" pitchFamily="34" charset="0"/>
               </a:rPr>
+              <a:t>‹#›</a:t>
             </a:fld>
             <a:endParaRPr lang="zh-CN" altLang="en-US" dirty="0">
               <a:latin typeface="Arial" panose="020B0604020202020204" pitchFamily="34" charset="0"/>
@@ -5066,7 +5087,6 @@
               <a:rPr lang="zh-CN" altLang="en-US" smtClean="0"/>
               <a:t>单击此处编辑母版文本样式</a:t>
             </a:r>
-            <a:endParaRPr lang="zh-CN" altLang="en-US" smtClean="0"/>
           </a:p>
           <a:p>
             <a:pPr lvl="1"/>
@@ -5074,7 +5094,6 @@
               <a:rPr lang="zh-CN" altLang="en-US" smtClean="0"/>
               <a:t>第二级</a:t>
             </a:r>
-            <a:endParaRPr lang="zh-CN" altLang="en-US" smtClean="0"/>
           </a:p>
           <a:p>
             <a:pPr lvl="2"/>
@@ -5082,7 +5101,6 @@
               <a:rPr lang="zh-CN" altLang="en-US" smtClean="0"/>
               <a:t>第三级</a:t>
             </a:r>
-            <a:endParaRPr lang="zh-CN" altLang="en-US" smtClean="0"/>
           </a:p>
           <a:p>
             <a:pPr lvl="3"/>
@@ -5090,7 +5108,6 @@
               <a:rPr lang="zh-CN" altLang="en-US" smtClean="0"/>
               <a:t>第四级</a:t>
             </a:r>
-            <a:endParaRPr lang="zh-CN" altLang="en-US" smtClean="0"/>
           </a:p>
           <a:p>
             <a:pPr lvl="4"/>
@@ -5164,7 +5181,6 @@
               <a:rPr lang="zh-CN" altLang="en-US" smtClean="0"/>
               <a:t>单击此处编辑母版文本样式</a:t>
             </a:r>
-            <a:endParaRPr lang="zh-CN" altLang="en-US" smtClean="0"/>
           </a:p>
         </p:txBody>
       </p:sp>
@@ -5232,6 +5248,7 @@
               <a:rPr lang="zh-CN" altLang="en-US" dirty="0">
                 <a:latin typeface="Arial" panose="020B0604020202020204" pitchFamily="34" charset="0"/>
               </a:rPr>
+              <a:t>‹#›</a:t>
             </a:fld>
             <a:endParaRPr lang="zh-CN" altLang="en-US" dirty="0">
               <a:latin typeface="Arial" panose="020B0604020202020204" pitchFamily="34" charset="0"/>
@@ -5419,7 +5436,6 @@
               <a:rPr lang="zh-CN" altLang="en-US" smtClean="0"/>
               <a:t>单击此处编辑母版文本样式</a:t>
             </a:r>
-            <a:endParaRPr lang="zh-CN" altLang="en-US" smtClean="0"/>
           </a:p>
         </p:txBody>
       </p:sp>
@@ -5487,6 +5503,7 @@
               <a:rPr lang="zh-CN" altLang="en-US" dirty="0">
                 <a:latin typeface="Arial" panose="020B0604020202020204" pitchFamily="34" charset="0"/>
               </a:rPr>
+              <a:t>‹#›</a:t>
             </a:fld>
             <a:endParaRPr lang="zh-CN" altLang="en-US" dirty="0">
               <a:latin typeface="Arial" panose="020B0604020202020204" pitchFamily="34" charset="0"/>
@@ -5508,7 +5525,7 @@
     <p:bg>
       <p:bgPr>
         <a:blipFill rotWithShape="0">
-          <a:blip r:embed="rId12"/>
+          <a:blip r:embed="rId13"/>
           <a:stretch>
             <a:fillRect/>
           </a:stretch>
@@ -5522,11 +5539,20 @@
         <p:cNvGrpSpPr/>
         <p:nvPr/>
       </p:nvGrpSpPr>
-      <p:grpSpPr/>
+      <p:grpSpPr>
+        <a:xfrm>
+          <a:off x="0" y="0"/>
+          <a:ext cx="0" cy="0"/>
+          <a:chOff x="0" y="0"/>
+          <a:chExt cx="0" cy="0"/>
+        </a:xfrm>
+      </p:grpSpPr>
       <p:sp>
         <p:nvSpPr>
           <p:cNvPr id="1026" name="标题 1025"/>
-          <p:cNvSpPr/>
+          <p:cNvSpPr>
+            <a:spLocks noGrp="1"/>
+          </p:cNvSpPr>
           <p:nvPr>
             <p:ph type="title"/>
           </p:nvPr>
@@ -5546,20 +5572,22 @@
         </p:spPr>
         <p:txBody>
           <a:bodyPr anchor="ctr"/>
+          <a:lstStyle/>
           <a:p>
             <a:pPr lvl="0"/>
             <a:r>
               <a:rPr lang="zh-CN" altLang="en-US"/>
               <a:t>单击此处编辑母版标题样式</a:t>
             </a:r>
-            <a:endParaRPr lang="zh-CN" altLang="en-US"/>
           </a:p>
         </p:txBody>
       </p:sp>
       <p:sp>
         <p:nvSpPr>
           <p:cNvPr id="1027" name="文本占位符 1026"/>
-          <p:cNvSpPr/>
+          <p:cNvSpPr>
+            <a:spLocks noGrp="1"/>
+          </p:cNvSpPr>
           <p:nvPr>
             <p:ph type="body" idx="1"/>
           </p:nvPr>
@@ -5579,13 +5607,13 @@
         </p:spPr>
         <p:txBody>
           <a:bodyPr/>
+          <a:lstStyle/>
           <a:p>
             <a:pPr lvl="0"/>
             <a:r>
               <a:rPr lang="zh-CN" altLang="en-US"/>
               <a:t>单击此处编辑母版文本样式</a:t>
             </a:r>
-            <a:endParaRPr lang="zh-CN" altLang="en-US"/>
           </a:p>
           <a:p>
             <a:pPr lvl="1"/>
@@ -5593,7 +5621,6 @@
               <a:rPr lang="zh-CN" altLang="en-US"/>
               <a:t>第二级</a:t>
             </a:r>
-            <a:endParaRPr lang="zh-CN" altLang="en-US"/>
           </a:p>
           <a:p>
             <a:pPr lvl="2"/>
@@ -5601,7 +5628,6 @@
               <a:rPr lang="zh-CN" altLang="en-US"/>
               <a:t>第三级</a:t>
             </a:r>
-            <a:endParaRPr lang="zh-CN" altLang="en-US"/>
           </a:p>
           <a:p>
             <a:pPr lvl="3"/>
@@ -5609,7 +5635,6 @@
               <a:rPr lang="zh-CN" altLang="en-US"/>
               <a:t>第四级</a:t>
             </a:r>
-            <a:endParaRPr lang="zh-CN" altLang="en-US"/>
           </a:p>
           <a:p>
             <a:pPr lvl="4"/>
@@ -5617,14 +5642,15 @@
               <a:rPr lang="zh-CN" altLang="en-US"/>
               <a:t>第五级</a:t>
             </a:r>
-            <a:endParaRPr lang="zh-CN" altLang="en-US"/>
           </a:p>
         </p:txBody>
       </p:sp>
       <p:sp>
         <p:nvSpPr>
           <p:cNvPr id="1028" name="日期占位符 1027"/>
-          <p:cNvSpPr/>
+          <p:cNvSpPr>
+            <a:spLocks noGrp="1"/>
+          </p:cNvSpPr>
           <p:nvPr>
             <p:ph type="dt" sz="half" idx="2"/>
           </p:nvPr>
@@ -5660,7 +5686,9 @@
       <p:sp>
         <p:nvSpPr>
           <p:cNvPr id="1029" name="页脚占位符 1028"/>
-          <p:cNvSpPr/>
+          <p:cNvSpPr>
+            <a:spLocks noGrp="1"/>
+          </p:cNvSpPr>
           <p:nvPr>
             <p:ph type="ftr" sz="quarter" idx="3"/>
           </p:nvPr>
@@ -5696,7 +5724,9 @@
       <p:sp>
         <p:nvSpPr>
           <p:cNvPr id="1030" name="灯片编号占位符 1029"/>
-          <p:cNvSpPr/>
+          <p:cNvSpPr>
+            <a:spLocks noGrp="1"/>
+          </p:cNvSpPr>
           <p:nvPr>
             <p:ph type="sldNum" sz="quarter" idx="4"/>
           </p:nvPr>
@@ -5727,6 +5757,7 @@
               <a:rPr lang="zh-CN" altLang="en-US" dirty="0">
                 <a:latin typeface="Arial" panose="020B0604020202020204" pitchFamily="34" charset="0"/>
               </a:rPr>
+              <a:t>‹#›</a:t>
             </a:fld>
             <a:endParaRPr lang="zh-CN" altLang="en-US" dirty="0">
               <a:latin typeface="Arial" panose="020B0604020202020204" pitchFamily="34" charset="0"/>
@@ -6148,7 +6179,7 @@
     <p:bg>
       <p:bgPr>
         <a:blipFill rotWithShape="0">
-          <a:blip r:embed="rId12"/>
+          <a:blip r:embed="rId13"/>
           <a:stretch>
             <a:fillRect/>
           </a:stretch>
@@ -6162,11 +6193,20 @@
         <p:cNvGrpSpPr/>
         <p:nvPr/>
       </p:nvGrpSpPr>
-      <p:grpSpPr/>
+      <p:grpSpPr>
+        <a:xfrm>
+          <a:off x="0" y="0"/>
+          <a:ext cx="0" cy="0"/>
+          <a:chOff x="0" y="0"/>
+          <a:chExt cx="0" cy="0"/>
+        </a:xfrm>
+      </p:grpSpPr>
       <p:sp>
         <p:nvSpPr>
           <p:cNvPr id="1026" name="标题 1025"/>
-          <p:cNvSpPr/>
+          <p:cNvSpPr>
+            <a:spLocks noGrp="1"/>
+          </p:cNvSpPr>
           <p:nvPr>
             <p:ph type="title"/>
           </p:nvPr>
@@ -6186,20 +6226,22 @@
         </p:spPr>
         <p:txBody>
           <a:bodyPr anchor="ctr"/>
+          <a:lstStyle/>
           <a:p>
             <a:pPr lvl="0"/>
             <a:r>
               <a:rPr lang="zh-CN" altLang="en-US"/>
               <a:t>单击此处编辑母版标题样式</a:t>
             </a:r>
-            <a:endParaRPr lang="zh-CN" altLang="en-US"/>
           </a:p>
         </p:txBody>
       </p:sp>
       <p:sp>
         <p:nvSpPr>
           <p:cNvPr id="1027" name="文本占位符 1026"/>
-          <p:cNvSpPr/>
+          <p:cNvSpPr>
+            <a:spLocks noGrp="1"/>
+          </p:cNvSpPr>
           <p:nvPr>
             <p:ph type="body" idx="1"/>
           </p:nvPr>
@@ -6219,13 +6261,13 @@
         </p:spPr>
         <p:txBody>
           <a:bodyPr/>
+          <a:lstStyle/>
           <a:p>
             <a:pPr lvl="0"/>
             <a:r>
               <a:rPr lang="zh-CN" altLang="en-US"/>
               <a:t>单击此处编辑母版文本样式</a:t>
             </a:r>
-            <a:endParaRPr lang="zh-CN" altLang="en-US"/>
           </a:p>
           <a:p>
             <a:pPr lvl="1"/>
@@ -6233,7 +6275,6 @@
               <a:rPr lang="zh-CN" altLang="en-US"/>
               <a:t>第二级</a:t>
             </a:r>
-            <a:endParaRPr lang="zh-CN" altLang="en-US"/>
           </a:p>
           <a:p>
             <a:pPr lvl="2"/>
@@ -6241,7 +6282,6 @@
               <a:rPr lang="zh-CN" altLang="en-US"/>
               <a:t>第三级</a:t>
             </a:r>
-            <a:endParaRPr lang="zh-CN" altLang="en-US"/>
           </a:p>
           <a:p>
             <a:pPr lvl="3"/>
@@ -6249,7 +6289,6 @@
               <a:rPr lang="zh-CN" altLang="en-US"/>
               <a:t>第四级</a:t>
             </a:r>
-            <a:endParaRPr lang="zh-CN" altLang="en-US"/>
           </a:p>
           <a:p>
             <a:pPr lvl="4"/>
@@ -6257,14 +6296,15 @@
               <a:rPr lang="zh-CN" altLang="en-US"/>
               <a:t>第五级</a:t>
             </a:r>
-            <a:endParaRPr lang="zh-CN" altLang="en-US"/>
           </a:p>
         </p:txBody>
       </p:sp>
       <p:sp>
         <p:nvSpPr>
           <p:cNvPr id="1028" name="日期占位符 1027"/>
-          <p:cNvSpPr/>
+          <p:cNvSpPr>
+            <a:spLocks noGrp="1"/>
+          </p:cNvSpPr>
           <p:nvPr>
             <p:ph type="dt" sz="half" idx="2"/>
           </p:nvPr>
@@ -6300,7 +6340,9 @@
       <p:sp>
         <p:nvSpPr>
           <p:cNvPr id="1029" name="页脚占位符 1028"/>
-          <p:cNvSpPr/>
+          <p:cNvSpPr>
+            <a:spLocks noGrp="1"/>
+          </p:cNvSpPr>
           <p:nvPr>
             <p:ph type="ftr" sz="quarter" idx="3"/>
           </p:nvPr>
@@ -6336,7 +6378,9 @@
       <p:sp>
         <p:nvSpPr>
           <p:cNvPr id="1030" name="灯片编号占位符 1029"/>
-          <p:cNvSpPr/>
+          <p:cNvSpPr>
+            <a:spLocks noGrp="1"/>
+          </p:cNvSpPr>
           <p:nvPr>
             <p:ph type="sldNum" sz="quarter" idx="4"/>
           </p:nvPr>
@@ -6367,6 +6411,7 @@
               <a:rPr lang="zh-CN" altLang="en-US" dirty="0">
                 <a:latin typeface="Arial" panose="020B0604020202020204" pitchFamily="34" charset="0"/>
               </a:rPr>
+              <a:t>‹#›</a:t>
             </a:fld>
             <a:endParaRPr lang="zh-CN" altLang="en-US" dirty="0">
               <a:latin typeface="Arial" panose="020B0604020202020204" pitchFamily="34" charset="0"/>
@@ -6791,7 +6836,14 @@
         <p:cNvGrpSpPr/>
         <p:nvPr/>
       </p:nvGrpSpPr>
-      <p:grpSpPr/>
+      <p:grpSpPr>
+        <a:xfrm>
+          <a:off x="0" y="0"/>
+          <a:ext cx="0" cy="0"/>
+          <a:chOff x="0" y="0"/>
+          <a:chExt cx="0" cy="0"/>
+        </a:xfrm>
+      </p:grpSpPr>
       <p:sp>
         <p:nvSpPr>
           <p:cNvPr id="4098" name="标题 4097"/>
@@ -6802,18 +6854,16 @@
             <p:ph type="ctrTitle"/>
           </p:nvPr>
         </p:nvSpPr>
-        <p:spPr>
-          <a:ln/>
-        </p:spPr>
+        <p:spPr/>
         <p:txBody>
           <a:bodyPr anchor="ctr" anchorCtr="1"/>
+          <a:lstStyle/>
           <a:p>
             <a:pPr algn="ctr" defTabSz="914400">
               <a:buSzPct val="100000"/>
             </a:pPr>
             <a:r>
               <a:rPr lang="zh-CN" sz="6000" kern="1200" baseline="0">
-                <a:ln/>
                 <a:solidFill>
                   <a:schemeClr val="tx1"/>
                 </a:solidFill>
@@ -6829,21 +6879,6 @@
               </a:rPr>
               <a:t>我与北京</a:t>
             </a:r>
-            <a:endParaRPr lang="zh-CN" sz="6000" kern="1200" baseline="0">
-              <a:ln/>
-              <a:solidFill>
-                <a:schemeClr val="tx1"/>
-              </a:solidFill>
-              <a:effectLst>
-                <a:outerShdw blurRad="38100" dist="19050" dir="2700000" algn="tl" rotWithShape="0">
-                  <a:schemeClr val="dk1">
-                    <a:alpha val="40000"/>
-                  </a:schemeClr>
-                </a:outerShdw>
-              </a:effectLst>
-              <a:latin typeface="Arial" panose="020B0604020202020204" pitchFamily="34" charset="0"/>
-              <a:ea typeface="宋体" charset="-122"/>
-            </a:endParaRPr>
           </a:p>
         </p:txBody>
       </p:sp>
@@ -6862,10 +6897,10 @@
             <a:off x="1479550" y="3500438"/>
             <a:ext cx="6400800" cy="647700"/>
           </a:xfrm>
-          <a:ln/>
         </p:spPr>
         <p:txBody>
           <a:bodyPr anchor="t"/>
+          <a:lstStyle/>
           <a:p>
             <a:pPr algn="ctr" defTabSz="914400">
               <a:buSzPct val="100000"/>
@@ -6877,10 +6912,6 @@
               </a:rPr>
               <a:t>圆明园之旅</a:t>
             </a:r>
-            <a:endParaRPr lang="zh-CN" altLang="en-US" kern="1200" baseline="0">
-              <a:latin typeface="Arial" panose="020B0604020202020204" pitchFamily="34" charset="0"/>
-              <a:ea typeface="宋体" charset="-122"/>
-            </a:endParaRPr>
           </a:p>
         </p:txBody>
       </p:sp>
@@ -7062,10 +7093,6 @@
               </a:rPr>
               <a:t>）班    张溪柠</a:t>
             </a:r>
-            <a:endParaRPr lang="zh-CN" kern="1200" baseline="0">
-              <a:latin typeface="Arial" panose="020B0604020202020204" pitchFamily="34" charset="0"/>
-              <a:ea typeface="宋体" charset="-122"/>
-            </a:endParaRPr>
           </a:p>
         </p:txBody>
       </p:sp>
@@ -7086,7 +7113,14 @@
         <p:cNvGrpSpPr/>
         <p:nvPr/>
       </p:nvGrpSpPr>
-      <p:grpSpPr/>
+      <p:grpSpPr>
+        <a:xfrm>
+          <a:off x="0" y="0"/>
+          <a:ext cx="0" cy="0"/>
+          <a:chOff x="0" y="0"/>
+          <a:chExt cx="0" cy="0"/>
+        </a:xfrm>
+      </p:grpSpPr>
       <p:pic>
         <p:nvPicPr>
           <p:cNvPr id="4" name="图片 3" descr="timg-5"/>
@@ -7096,7 +7130,7 @@
           <p:nvPr/>
         </p:nvPicPr>
         <p:blipFill>
-          <a:blip r:embed="rId1"/>
+          <a:blip r:embed="rId2"/>
           <a:srcRect b="4406"/>
           <a:stretch>
             <a:fillRect/>
@@ -7121,7 +7155,7 @@
           <p:nvPr/>
         </p:nvPicPr>
         <p:blipFill>
-          <a:blip r:embed="rId2"/>
+          <a:blip r:embed="rId3"/>
           <a:srcRect l="589" t="267" r="5682" b="6242"/>
           <a:stretch>
             <a:fillRect/>
@@ -7146,7 +7180,7 @@
           <p:nvPr/>
         </p:nvPicPr>
         <p:blipFill>
-          <a:blip r:embed="rId3"/>
+          <a:blip r:embed="rId4"/>
           <a:stretch>
             <a:fillRect/>
           </a:stretch>
@@ -7370,7 +7404,14 @@
         <p:cNvGrpSpPr/>
         <p:nvPr/>
       </p:nvGrpSpPr>
-      <p:grpSpPr/>
+      <p:grpSpPr>
+        <a:xfrm>
+          <a:off x="0" y="0"/>
+          <a:ext cx="0" cy="0"/>
+          <a:chOff x="0" y="0"/>
+          <a:chExt cx="0" cy="0"/>
+        </a:xfrm>
+      </p:grpSpPr>
       <p:pic>
         <p:nvPicPr>
           <p:cNvPr id="3" name="图片 2" descr="timg-8"/>
@@ -7380,7 +7421,7 @@
           <p:nvPr/>
         </p:nvPicPr>
         <p:blipFill>
-          <a:blip r:embed="rId1"/>
+          <a:blip r:embed="rId2"/>
           <a:srcRect l="5619" t="219" r="11982" b="-219"/>
           <a:stretch>
             <a:fillRect/>
@@ -7414,6 +7455,7 @@
         </p:spPr>
         <p:txBody>
           <a:bodyPr anchor="t"/>
+          <a:lstStyle/>
           <a:p>
             <a:pPr algn="ctr" defTabSz="914400">
               <a:buSzPct val="100000"/>
@@ -7432,17 +7474,6 @@
               </a:rPr>
               <a:t>圆明园</a:t>
             </a:r>
-            <a:endParaRPr lang="zh-CN" altLang="en-US" sz="4800" kern="1200" baseline="0">
-              <a:effectLst>
-                <a:innerShdw blurRad="63500" dist="50800" dir="18900000">
-                  <a:prstClr val="black">
-                    <a:alpha val="50000"/>
-                  </a:prstClr>
-                </a:innerShdw>
-              </a:effectLst>
-              <a:latin typeface="Arial" panose="020B0604020202020204" pitchFamily="34" charset="0"/>
-              <a:ea typeface="宋体" charset="-122"/>
-            </a:endParaRPr>
           </a:p>
         </p:txBody>
       </p:sp>
@@ -7463,7 +7494,14 @@
         <p:cNvGrpSpPr/>
         <p:nvPr/>
       </p:nvGrpSpPr>
-      <p:grpSpPr/>
+      <p:grpSpPr>
+        <a:xfrm>
+          <a:off x="0" y="0"/>
+          <a:ext cx="0" cy="0"/>
+          <a:chOff x="0" y="0"/>
+          <a:chExt cx="0" cy="0"/>
+        </a:xfrm>
+      </p:grpSpPr>
       <p:pic>
         <p:nvPicPr>
           <p:cNvPr id="2" name="图片 1" descr="074722mfx3dpgoxdxptccp"/>
@@ -7473,7 +7511,7 @@
           <p:nvPr/>
         </p:nvPicPr>
         <p:blipFill>
-          <a:blip r:embed="rId1"/>
+          <a:blip r:embed="rId2"/>
           <a:stretch>
             <a:fillRect/>
           </a:stretch>
@@ -7505,7 +7543,14 @@
         <p:cNvGrpSpPr/>
         <p:nvPr/>
       </p:nvGrpSpPr>
-      <p:grpSpPr/>
+      <p:grpSpPr>
+        <a:xfrm>
+          <a:off x="0" y="0"/>
+          <a:ext cx="0" cy="0"/>
+          <a:chOff x="0" y="0"/>
+          <a:chExt cx="0" cy="0"/>
+        </a:xfrm>
+      </p:grpSpPr>
       <p:pic>
         <p:nvPicPr>
           <p:cNvPr id="2" name="图片 1" descr="timg-4"/>
@@ -7515,7 +7560,7 @@
           <p:nvPr/>
         </p:nvPicPr>
         <p:blipFill>
-          <a:blip r:embed="rId1"/>
+          <a:blip r:embed="rId3"/>
           <a:srcRect l="6608" r="4541" b="8824"/>
           <a:stretch>
             <a:fillRect/>
@@ -7573,6 +7618,7 @@
           <a:bodyPr vertOverflow="overflow" horzOverflow="overflow" vert="horz" wrap="square" numCol="1" spcCol="0" rtlCol="0" fromWordArt="0" anchor="ctr" anchorCtr="0" forceAA="0" compatLnSpc="1">
             <a:noAutofit/>
           </a:bodyPr>
+          <a:lstStyle/>
           <a:p>
             <a:pPr lvl="0" algn="ctr"/>
             <a:endParaRPr lang="zh-CN" altLang="en-US">
@@ -7621,6 +7667,7 @@
         </p:style>
         <p:txBody>
           <a:bodyPr rtlCol="0" anchor="ctr"/>
+          <a:lstStyle/>
           <a:p>
             <a:pPr algn="ctr"/>
             <a:endParaRPr lang="zh-CN" altLang="en-US"/>
@@ -7647,12 +7694,12 @@
           <a:bodyPr wrap="square" rtlCol="0">
             <a:spAutoFit/>
           </a:bodyPr>
+          <a:lstStyle/>
           <a:p>
             <a:r>
               <a:rPr lang="zh-CN" altLang="en-US" sz="3600" b="1"/>
               <a:t>基石</a:t>
             </a:r>
-            <a:endParaRPr lang="zh-CN" altLang="en-US" sz="3600" b="1"/>
           </a:p>
         </p:txBody>
       </p:sp>
@@ -7696,6 +7743,7 @@
         </p:style>
         <p:txBody>
           <a:bodyPr rtlCol="0" anchor="ctr"/>
+          <a:lstStyle/>
           <a:p>
             <a:pPr algn="ctr"/>
             <a:endParaRPr lang="zh-CN" altLang="en-US"/>
@@ -7719,7 +7767,14 @@
         <p:cNvGrpSpPr/>
         <p:nvPr/>
       </p:nvGrpSpPr>
-      <p:grpSpPr/>
+      <p:grpSpPr>
+        <a:xfrm>
+          <a:off x="0" y="0"/>
+          <a:ext cx="0" cy="0"/>
+          <a:chOff x="0" y="0"/>
+          <a:chExt cx="0" cy="0"/>
+        </a:xfrm>
+      </p:grpSpPr>
       <p:pic>
         <p:nvPicPr>
           <p:cNvPr id="2" name="图片 1" descr="CghzfVU1s4iAUABYABrdzVBBnbw867_R_1024_10000_Q90"/>
@@ -7729,7 +7784,7 @@
           <p:nvPr/>
         </p:nvPicPr>
         <p:blipFill>
-          <a:blip r:embed="rId1"/>
+          <a:blip r:embed="rId2"/>
           <a:srcRect l="10625" t="17687" r="8157" b="-12988"/>
           <a:stretch>
             <a:fillRect/>
@@ -7762,7 +7817,14 @@
         <p:cNvGrpSpPr/>
         <p:nvPr/>
       </p:nvGrpSpPr>
-      <p:grpSpPr/>
+      <p:grpSpPr>
+        <a:xfrm>
+          <a:off x="0" y="0"/>
+          <a:ext cx="0" cy="0"/>
+          <a:chOff x="0" y="0"/>
+          <a:chExt cx="0" cy="0"/>
+        </a:xfrm>
+      </p:grpSpPr>
       <p:pic>
         <p:nvPicPr>
           <p:cNvPr id="3" name="图片 2" descr="72f082025aafa40fb7d50e67ab64034f78f0197d"/>
@@ -7772,7 +7834,7 @@
           <p:nvPr/>
         </p:nvPicPr>
         <p:blipFill>
-          <a:blip r:embed="rId1"/>
+          <a:blip r:embed="rId3"/>
           <a:srcRect l="4274" t="10345" r="5429" b="11717"/>
           <a:stretch>
             <a:fillRect/>
@@ -7805,7 +7867,14 @@
         <p:cNvGrpSpPr/>
         <p:nvPr/>
       </p:nvGrpSpPr>
-      <p:grpSpPr/>
+      <p:grpSpPr>
+        <a:xfrm>
+          <a:off x="0" y="0"/>
+          <a:ext cx="0" cy="0"/>
+          <a:chOff x="0" y="0"/>
+          <a:chExt cx="0" cy="0"/>
+        </a:xfrm>
+      </p:grpSpPr>
       <p:sp>
         <p:nvSpPr>
           <p:cNvPr id="2" name="副标题 4098"/>
@@ -7965,15 +8034,22 @@
             </a:pPr>
             <a:r>
               <a:rPr lang="zh-CN" sz="3600" kern="1200" baseline="0">
+                <a:ln/>
+                <a:solidFill>
+                  <a:schemeClr val="tx1"/>
+                </a:solidFill>
+                <a:effectLst>
+                  <a:outerShdw blurRad="38100" dist="19050" dir="2700000" algn="tl" rotWithShape="0">
+                    <a:schemeClr val="dk1">
+                      <a:alpha val="40000"/>
+                    </a:schemeClr>
+                  </a:outerShdw>
+                </a:effectLst>
                 <a:latin typeface="Arial" panose="020B0604020202020204" pitchFamily="34" charset="0"/>
                 <a:ea typeface="宋体" charset="-122"/>
               </a:rPr>
               <a:t>少年强则国强，少年智则国智，</a:t>
             </a:r>
-            <a:endParaRPr lang="zh-CN" sz="3600" kern="1200" baseline="0">
-              <a:latin typeface="Arial" panose="020B0604020202020204" pitchFamily="34" charset="0"/>
-              <a:ea typeface="宋体" charset="-122"/>
-            </a:endParaRPr>
           </a:p>
           <a:p>
             <a:pPr algn="l" defTabSz="914400">
@@ -7981,15 +8057,22 @@
             </a:pPr>
             <a:r>
               <a:rPr lang="zh-CN" sz="3600" kern="1200" baseline="0">
+                <a:ln/>
+                <a:solidFill>
+                  <a:schemeClr val="tx1"/>
+                </a:solidFill>
+                <a:effectLst>
+                  <a:outerShdw blurRad="38100" dist="19050" dir="2700000" algn="tl" rotWithShape="0">
+                    <a:schemeClr val="dk1">
+                      <a:alpha val="40000"/>
+                    </a:schemeClr>
+                  </a:outerShdw>
+                </a:effectLst>
                 <a:latin typeface="Arial" panose="020B0604020202020204" pitchFamily="34" charset="0"/>
                 <a:ea typeface="宋体" charset="-122"/>
               </a:rPr>
               <a:t>少年富则国富，少年独立则国独立，</a:t>
             </a:r>
-            <a:endParaRPr lang="zh-CN" sz="3600" kern="1200" baseline="0">
-              <a:latin typeface="Arial" panose="020B0604020202020204" pitchFamily="34" charset="0"/>
-              <a:ea typeface="宋体" charset="-122"/>
-            </a:endParaRPr>
           </a:p>
           <a:p>
             <a:pPr algn="l" defTabSz="914400">
@@ -7997,15 +8080,22 @@
             </a:pPr>
             <a:r>
               <a:rPr lang="zh-CN" sz="3600" kern="1200" baseline="0">
+                <a:ln/>
+                <a:solidFill>
+                  <a:schemeClr val="tx1"/>
+                </a:solidFill>
+                <a:effectLst>
+                  <a:outerShdw blurRad="38100" dist="19050" dir="2700000" algn="tl" rotWithShape="0">
+                    <a:schemeClr val="dk1">
+                      <a:alpha val="40000"/>
+                    </a:schemeClr>
+                  </a:outerShdw>
+                </a:effectLst>
                 <a:latin typeface="Arial" panose="020B0604020202020204" pitchFamily="34" charset="0"/>
                 <a:ea typeface="宋体" charset="-122"/>
               </a:rPr>
               <a:t>少年自由则国自由，少年进步则国进步，</a:t>
             </a:r>
-            <a:endParaRPr lang="zh-CN" sz="3600" kern="1200" baseline="0">
-              <a:latin typeface="Arial" panose="020B0604020202020204" pitchFamily="34" charset="0"/>
-              <a:ea typeface="宋体" charset="-122"/>
-            </a:endParaRPr>
           </a:p>
           <a:p>
             <a:pPr algn="l" defTabSz="914400">
@@ -8013,15 +8103,22 @@
             </a:pPr>
             <a:r>
               <a:rPr lang="zh-CN" sz="3600" kern="1200" baseline="0">
+                <a:ln/>
+                <a:solidFill>
+                  <a:schemeClr val="tx1"/>
+                </a:solidFill>
+                <a:effectLst>
+                  <a:outerShdw blurRad="38100" dist="19050" dir="2700000" algn="tl" rotWithShape="0">
+                    <a:schemeClr val="dk1">
+                      <a:alpha val="40000"/>
+                    </a:schemeClr>
+                  </a:outerShdw>
+                </a:effectLst>
                 <a:latin typeface="Arial" panose="020B0604020202020204" pitchFamily="34" charset="0"/>
                 <a:ea typeface="宋体" charset="-122"/>
               </a:rPr>
               <a:t>少年胜于欧洲，则国胜于欧洲，</a:t>
             </a:r>
-            <a:endParaRPr lang="zh-CN" sz="3600" kern="1200" baseline="0">
-              <a:latin typeface="Arial" panose="020B0604020202020204" pitchFamily="34" charset="0"/>
-              <a:ea typeface="宋体" charset="-122"/>
-            </a:endParaRPr>
           </a:p>
           <a:p>
             <a:pPr algn="l" defTabSz="914400">
@@ -8029,15 +8126,22 @@
             </a:pPr>
             <a:r>
               <a:rPr lang="zh-CN" sz="3600" kern="1200" baseline="0">
+                <a:ln/>
+                <a:solidFill>
+                  <a:schemeClr val="tx1"/>
+                </a:solidFill>
+                <a:effectLst>
+                  <a:outerShdw blurRad="38100" dist="19050" dir="2700000" algn="tl" rotWithShape="0">
+                    <a:schemeClr val="dk1">
+                      <a:alpha val="40000"/>
+                    </a:schemeClr>
+                  </a:outerShdw>
+                </a:effectLst>
                 <a:latin typeface="Arial" panose="020B0604020202020204" pitchFamily="34" charset="0"/>
                 <a:ea typeface="宋体" charset="-122"/>
               </a:rPr>
               <a:t>少年雄于地球，则国雄于地球。</a:t>
             </a:r>
-            <a:endParaRPr lang="zh-CN" sz="3600" kern="1200" baseline="0">
-              <a:latin typeface="Arial" panose="020B0604020202020204" pitchFamily="34" charset="0"/>
-              <a:ea typeface="宋体" charset="-122"/>
-            </a:endParaRPr>
           </a:p>
           <a:p>
             <a:pPr algn="l" defTabSz="914400">
@@ -8066,10 +8170,6 @@
               </a:rPr>
               <a:t>梁启超《少年中国说》</a:t>
             </a:r>
-            <a:endParaRPr lang="zh-CN" sz="3600" kern="1200" baseline="0">
-              <a:latin typeface="Arial" panose="020B0604020202020204" pitchFamily="34" charset="0"/>
-              <a:ea typeface="宋体" charset="-122"/>
-            </a:endParaRPr>
           </a:p>
         </p:txBody>
       </p:sp>
@@ -8090,7 +8190,14 @@
         <p:cNvGrpSpPr/>
         <p:nvPr/>
       </p:nvGrpSpPr>
-      <p:grpSpPr/>
+      <p:grpSpPr>
+        <a:xfrm>
+          <a:off x="0" y="0"/>
+          <a:ext cx="0" cy="0"/>
+          <a:chOff x="0" y="0"/>
+          <a:chExt cx="0" cy="0"/>
+        </a:xfrm>
+      </p:grpSpPr>
       <p:sp>
         <p:nvSpPr>
           <p:cNvPr id="15362" name="标题 15361"/>
@@ -8106,20 +8213,20 @@
             <a:off x="685483" y="2720658"/>
             <a:ext cx="7772400" cy="1223962"/>
           </a:xfrm>
-          <a:ln/>
         </p:spPr>
         <p:txBody>
           <a:bodyPr anchor="ctr" anchorCtr="1"/>
+          <a:lstStyle/>
           <a:p>
             <a:pPr defTabSz="914400">
               <a:buSzPct val="100000"/>
             </a:pPr>
             <a:r>
-              <a:rPr lang="zh-CN" altLang="en-US" sz="4800" b="1" kern="1200" baseline="0" dirty="0">
+              <a:rPr lang="zh-CN" altLang="en-US" sz="4800" b="1" kern="1200" baseline="0" dirty="0" smtClean="0">
                 <a:latin typeface="Arial Black" panose="020B0A04020102020204" charset="0"/>
                 <a:ea typeface="宋体" charset="-122"/>
               </a:rPr>
-              <a:t>谢谢</a:t>
+              <a:t>谢谢各位老师！</a:t>
             </a:r>
             <a:endParaRPr lang="zh-CN" altLang="en-US" sz="4800" b="1" kern="1200" baseline="0" dirty="0">
               <a:latin typeface="Arial Black" panose="020B0A04020102020204" charset="0"/>
@@ -8327,6 +8434,7 @@
       </a:bgFillStyleLst>
     </a:fmtScheme>
   </a:themeElements>
+  <a:objectDefaults/>
   <a:extraClrSchemeLst>
     <a:extraClrScheme>
       <a:clrScheme name="">
@@ -8823,7 +8931,7 @@
   </a:extraClrSchemeLst>
   <a:extLst>
     <a:ext uri="{05A4C25C-085E-4340-85A3-A5531E510DB2}">
-      <thm15:themeFamily xmlns:thm15="http://schemas.microsoft.com/office/thememl/2012/main" name="Office Theme" id="{62F939B6-93AF-4DB8-9C6B-D6C7DFDC589F}" vid="{4A3C46E8-61CC-4603-A589-7422A47A8E4A}"/>
+      <thm15:themeFamily xmlns:thm15="http://schemas.microsoft.com/office/thememl/2012/main" xmlns="" name="Office Theme" id="{62F939B6-93AF-4DB8-9C6B-D6C7DFDC589F}" vid="{4A3C46E8-61CC-4603-A589-7422A47A8E4A}"/>
     </a:ext>
   </a:extLst>
 </a:theme>
@@ -9020,6 +9128,7 @@
       </a:bgFillStyleLst>
     </a:fmtScheme>
   </a:themeElements>
+  <a:objectDefaults/>
   <a:extraClrSchemeLst>
     <a:extraClrScheme>
       <a:clrScheme name="">
@@ -9516,7 +9625,7 @@
   </a:extraClrSchemeLst>
   <a:extLst>
     <a:ext uri="{05A4C25C-085E-4340-85A3-A5531E510DB2}">
-      <thm15:themeFamily xmlns:thm15="http://schemas.microsoft.com/office/thememl/2012/main" name="Office Theme" id="{62F939B6-93AF-4DB8-9C6B-D6C7DFDC589F}" vid="{4A3C46E8-61CC-4603-A589-7422A47A8E4A}"/>
+      <thm15:themeFamily xmlns:thm15="http://schemas.microsoft.com/office/thememl/2012/main" xmlns="" name="Office Theme" id="{62F939B6-93AF-4DB8-9C6B-D6C7DFDC589F}" vid="{4A3C46E8-61CC-4603-A589-7422A47A8E4A}"/>
     </a:ext>
   </a:extLst>
 </a:theme>
@@ -9773,9 +9882,11 @@
       </a:bgFillStyleLst>
     </a:fmtScheme>
   </a:themeElements>
+  <a:objectDefaults/>
+  <a:extraClrSchemeLst/>
   <a:extLst>
     <a:ext uri="{05A4C25C-085E-4340-85A3-A5531E510DB2}">
-      <thm15:themeFamily xmlns:thm15="http://schemas.microsoft.com/office/thememl/2012/main" name="Office Theme" id="{62F939B6-93AF-4DB8-9C6B-D6C7DFDC589F}" vid="{4A3C46E8-61CC-4603-A589-7422A47A8E4A}"/>
+      <thm15:themeFamily xmlns:thm15="http://schemas.microsoft.com/office/thememl/2012/main" xmlns="" name="Office Theme" id="{62F939B6-93AF-4DB8-9C6B-D6C7DFDC589F}" vid="{4A3C46E8-61CC-4603-A589-7422A47A8E4A}"/>
     </a:ext>
   </a:extLst>
 </a:theme>
